--- a/assets/slides/Pretrained_Language_Models.pptx
+++ b/assets/slides/Pretrained_Language_Models.pptx
@@ -184,6 +184,53 @@
 
 <file path=ppt/changesInfos/changesInfo1.xml><?xml version="1.0" encoding="utf-8"?>
 <pc:chgInfo xmlns:a="http://schemas.openxmlformats.org/drawingml/2006/main" xmlns:r="http://schemas.openxmlformats.org/officeDocument/2006/relationships" xmlns:ac="http://schemas.microsoft.com/office/drawing/2013/main/command" xmlns:pc="http://schemas.microsoft.com/office/powerpoint/2013/main/command">
+  <pc:docChgLst>
+    <pc:chgData name="何 羽鑫" userId="b38e3e78d0e39cf3" providerId="LiveId" clId="{6007A706-E354-4425-ADFF-18AA60C12242}"/>
+    <pc:docChg chg="modSld">
+      <pc:chgData name="何 羽鑫" userId="b38e3e78d0e39cf3" providerId="LiveId" clId="{6007A706-E354-4425-ADFF-18AA60C12242}" dt="2023-08-29T02:30:23.504" v="33" actId="20577"/>
+      <pc:docMkLst>
+        <pc:docMk/>
+      </pc:docMkLst>
+      <pc:sldChg chg="modSp mod">
+        <pc:chgData name="何 羽鑫" userId="b38e3e78d0e39cf3" providerId="LiveId" clId="{6007A706-E354-4425-ADFF-18AA60C12242}" dt="2023-08-29T02:30:00.471" v="15" actId="21"/>
+        <pc:sldMkLst>
+          <pc:docMk/>
+          <pc:sldMk cId="0" sldId="630"/>
+        </pc:sldMkLst>
+        <pc:spChg chg="mod">
+          <ac:chgData name="何 羽鑫" userId="b38e3e78d0e39cf3" providerId="LiveId" clId="{6007A706-E354-4425-ADFF-18AA60C12242}" dt="2023-08-29T02:30:00.471" v="15" actId="21"/>
+          <ac:spMkLst>
+            <pc:docMk/>
+            <pc:sldMk cId="0" sldId="630"/>
+            <ac:spMk id="6" creationId="{00000000-0000-0000-0000-000000000000}"/>
+          </ac:spMkLst>
+        </pc:spChg>
+      </pc:sldChg>
+      <pc:sldChg chg="modSp mod">
+        <pc:chgData name="何 羽鑫" userId="b38e3e78d0e39cf3" providerId="LiveId" clId="{6007A706-E354-4425-ADFF-18AA60C12242}" dt="2023-08-29T02:30:23.504" v="33" actId="20577"/>
+        <pc:sldMkLst>
+          <pc:docMk/>
+          <pc:sldMk cId="2691967141" sldId="752"/>
+        </pc:sldMkLst>
+        <pc:spChg chg="mod">
+          <ac:chgData name="何 羽鑫" userId="b38e3e78d0e39cf3" providerId="LiveId" clId="{6007A706-E354-4425-ADFF-18AA60C12242}" dt="2023-08-29T02:30:23.504" v="33" actId="20577"/>
+          <ac:spMkLst>
+            <pc:docMk/>
+            <pc:sldMk cId="2691967141" sldId="752"/>
+            <ac:spMk id="4" creationId="{CD368F1A-5A6D-4EBB-B1E0-AE0403B02AE5}"/>
+          </ac:spMkLst>
+        </pc:spChg>
+        <pc:spChg chg="mod">
+          <ac:chgData name="何 羽鑫" userId="b38e3e78d0e39cf3" providerId="LiveId" clId="{6007A706-E354-4425-ADFF-18AA60C12242}" dt="2023-08-29T02:25:37.706" v="14" actId="1076"/>
+          <ac:spMkLst>
+            <pc:docMk/>
+            <pc:sldMk cId="2691967141" sldId="752"/>
+            <ac:spMk id="6" creationId="{26FE45F4-CBA9-4360-BAB9-BFCE39F38F49}"/>
+          </ac:spMkLst>
+        </pc:spChg>
+      </pc:sldChg>
+    </pc:docChg>
+  </pc:docChgLst>
   <pc:docChgLst>
     <pc:chgData name="何 羽鑫" userId="b38e3e78d0e39cf3" providerId="LiveId" clId="{209B2D33-28AD-4F38-9B35-1E7FA043C0C2}"/>
     <pc:docChg chg="undo custSel modSld">
@@ -12070,7 +12117,7 @@
           <a:p>
             <a:fld id="{36EBF64B-28C9-9640-97F7-DA7FA2F8E473}" type="datetime1">
               <a:rPr kumimoji="1" lang="en-US" altLang="zh-CN" smtClean="0"/>
-              <a:t>6/19/2023</a:t>
+              <a:t>8/29/2023</a:t>
             </a:fld>
             <a:endParaRPr kumimoji="1" lang="zh-CN" altLang="en-US"/>
           </a:p>
@@ -12236,7 +12283,7 @@
           <a:p>
             <a:fld id="{DF994008-7CB9-9846-91AD-0BAEF5827B65}" type="datetime1">
               <a:rPr lang="en-US" altLang="zh-CN" smtClean="0"/>
-              <a:t>6/19/2023</a:t>
+              <a:t>8/29/2023</a:t>
             </a:fld>
             <a:endParaRPr lang="zh-CN" altLang="en-US"/>
           </a:p>
@@ -26130,7 +26177,7 @@
         <p:spPr>
           <a:xfrm>
             <a:off x="395223" y="1043313"/>
-            <a:ext cx="5256897" cy="1522212"/>
+            <a:ext cx="5256897" cy="1903855"/>
           </a:xfrm>
           <a:prstGeom prst="rect">
             <a:avLst/>
@@ -26201,6 +26248,48 @@
                 <a:sym typeface="+mn-ea"/>
               </a:rPr>
               <a:t>Meta: Llama</a:t>
+            </a:r>
+          </a:p>
+          <a:p>
+            <a:pPr marL="285750" indent="-285750">
+              <a:lnSpc>
+                <a:spcPct val="110000"/>
+              </a:lnSpc>
+              <a:spcAft>
+                <a:spcPts val="600"/>
+              </a:spcAft>
+              <a:buFont typeface="Arial" panose="020B0604020202020204" pitchFamily="34" charset="0"/>
+              <a:buChar char="•"/>
+            </a:pPr>
+            <a:r>
+              <a:rPr lang="en-US" altLang="zh-CN" b="1" dirty="0">
+                <a:solidFill>
+                  <a:srgbClr val="121212"/>
+                </a:solidFill>
+                <a:latin typeface="-apple-system"/>
+                <a:sym typeface="+mn-ea"/>
+              </a:rPr>
+              <a:t>Google: Chinchilla, </a:t>
+            </a:r>
+            <a:r>
+              <a:rPr lang="en-US" altLang="zh-CN" b="1" dirty="0" err="1">
+                <a:solidFill>
+                  <a:srgbClr val="121212"/>
+                </a:solidFill>
+                <a:latin typeface="-apple-system"/>
+                <a:sym typeface="+mn-ea"/>
+              </a:rPr>
+              <a:t>PaLM</a:t>
+            </a:r>
+            <a:r>
+              <a:rPr lang="en-US" altLang="zh-CN" b="1" dirty="0">
+                <a:solidFill>
+                  <a:srgbClr val="121212"/>
+                </a:solidFill>
+                <a:latin typeface="-apple-system"/>
+                <a:sym typeface="+mn-ea"/>
+              </a:rPr>
+              <a:t>, PaLM2</a:t>
             </a:r>
           </a:p>
           <a:p>
@@ -26299,7 +26388,7 @@
         </p:nvSpPr>
         <p:spPr>
           <a:xfrm>
-            <a:off x="395536" y="2825783"/>
+            <a:off x="395223" y="3232499"/>
             <a:ext cx="4968552" cy="1000274"/>
           </a:xfrm>
           <a:prstGeom prst="rect">
@@ -29353,27 +29442,7 @@
                 <a:latin typeface="-apple-system"/>
                 <a:sym typeface="+mn-ea"/>
               </a:rPr>
-              <a:t>Google: T5, Flan T5, Chinchilla, </a:t>
-            </a:r>
-            <a:r>
-              <a:rPr lang="en-US" altLang="zh-CN" b="1" dirty="0" err="1">
-                <a:solidFill>
-                  <a:srgbClr val="121212"/>
-                </a:solidFill>
-                <a:latin typeface="-apple-system"/>
-                <a:sym typeface="+mn-ea"/>
-              </a:rPr>
-              <a:t>PaLM</a:t>
-            </a:r>
-            <a:r>
-              <a:rPr lang="en-US" altLang="zh-CN" b="1" dirty="0">
-                <a:solidFill>
-                  <a:srgbClr val="121212"/>
-                </a:solidFill>
-                <a:latin typeface="-apple-system"/>
-                <a:sym typeface="+mn-ea"/>
-              </a:rPr>
-              <a:t>, PaLM2</a:t>
+              <a:t>Google: T5, Flan T5</a:t>
             </a:r>
           </a:p>
           <a:p>
